--- a/Short Course/Slides/Session 2.pptx
+++ b/Short Course/Slides/Session 2.pptx
@@ -240,7 +240,7 @@
           <a:p>
             <a:fld id="{BD599A7D-7BA2-194E-A925-5EF1A0CBE376}" type="datetimeFigureOut">
               <a:rPr lang="en-US" smtClean="0"/>
-              <a:t>7/13/21</a:t>
+              <a:t>8/17/21</a:t>
             </a:fld>
             <a:endParaRPr lang="en-US"/>
           </a:p>
@@ -547,14 +547,14 @@
           <a:ln/>
           <a:extLst>
             <a:ext uri="{909E8E84-426E-40dd-AFC4-6F175D3DCCD1}">
-              <a14:hiddenFill xmlns="" xmlns:a14="http://schemas.microsoft.com/office/drawing/2010/main">
+              <a14:hiddenFill xmlns:a14="http://schemas.microsoft.com/office/drawing/2010/main" xmlns="">
                 <a:solidFill>
                   <a:srgbClr val="FFFFFF"/>
                 </a:solidFill>
               </a14:hiddenFill>
             </a:ext>
             <a:ext uri="{91240B29-F687-4f45-9708-019B960494DF}">
-              <a14:hiddenLine xmlns="" xmlns:a14="http://schemas.microsoft.com/office/drawing/2010/main" w="9525">
+              <a14:hiddenLine xmlns:a14="http://schemas.microsoft.com/office/drawing/2010/main" xmlns="" w="9525">
                 <a:solidFill>
                   <a:srgbClr val="000000"/>
                 </a:solidFill>
@@ -877,14 +877,14 @@
           <a:ln/>
           <a:extLst>
             <a:ext uri="{909E8E84-426E-40dd-AFC4-6F175D3DCCD1}">
-              <a14:hiddenFill xmlns="" xmlns:a14="http://schemas.microsoft.com/office/drawing/2010/main">
+              <a14:hiddenFill xmlns:a14="http://schemas.microsoft.com/office/drawing/2010/main" xmlns="">
                 <a:solidFill>
                   <a:srgbClr val="FFFFFF"/>
                 </a:solidFill>
               </a14:hiddenFill>
             </a:ext>
             <a:ext uri="{91240B29-F687-4f45-9708-019B960494DF}">
-              <a14:hiddenLine xmlns="" xmlns:a14="http://schemas.microsoft.com/office/drawing/2010/main" w="9525">
+              <a14:hiddenLine xmlns:a14="http://schemas.microsoft.com/office/drawing/2010/main" xmlns="" w="9525">
                 <a:solidFill>
                   <a:srgbClr val="000000"/>
                 </a:solidFill>
@@ -894,7 +894,7 @@
               </a14:hiddenLine>
             </a:ext>
             <a:ext uri="{FAA26D3D-D897-4be2-8F04-BA451C77F1D7}">
-              <ma14:placeholderFlag xmlns="" xmlns:ma14="http://schemas.microsoft.com/office/mac/drawingml/2011/main" val="1"/>
+              <ma14:placeholderFlag xmlns:ma14="http://schemas.microsoft.com/office/mac/drawingml/2011/main" xmlns="" val="1"/>
             </a:ext>
           </a:extLst>
         </p:spPr>
@@ -983,14 +983,14 @@
           <a:ln/>
           <a:extLst>
             <a:ext uri="{909E8E84-426E-40dd-AFC4-6F175D3DCCD1}">
-              <a14:hiddenFill xmlns="" xmlns:a14="http://schemas.microsoft.com/office/drawing/2010/main">
+              <a14:hiddenFill xmlns:a14="http://schemas.microsoft.com/office/drawing/2010/main" xmlns="">
                 <a:solidFill>
                   <a:srgbClr val="FFFFFF"/>
                 </a:solidFill>
               </a14:hiddenFill>
             </a:ext>
             <a:ext uri="{91240B29-F687-4f45-9708-019B960494DF}">
-              <a14:hiddenLine xmlns="" xmlns:a14="http://schemas.microsoft.com/office/drawing/2010/main" w="9525">
+              <a14:hiddenLine xmlns:a14="http://schemas.microsoft.com/office/drawing/2010/main" xmlns="" w="9525">
                 <a:solidFill>
                   <a:srgbClr val="000000"/>
                 </a:solidFill>
@@ -1313,14 +1313,14 @@
           <a:ln/>
           <a:extLst>
             <a:ext uri="{909E8E84-426E-40dd-AFC4-6F175D3DCCD1}">
-              <a14:hiddenFill xmlns="" xmlns:a14="http://schemas.microsoft.com/office/drawing/2010/main">
+              <a14:hiddenFill xmlns:a14="http://schemas.microsoft.com/office/drawing/2010/main" xmlns="">
                 <a:solidFill>
                   <a:srgbClr val="FFFFFF"/>
                 </a:solidFill>
               </a14:hiddenFill>
             </a:ext>
             <a:ext uri="{91240B29-F687-4f45-9708-019B960494DF}">
-              <a14:hiddenLine xmlns="" xmlns:a14="http://schemas.microsoft.com/office/drawing/2010/main" w="9525">
+              <a14:hiddenLine xmlns:a14="http://schemas.microsoft.com/office/drawing/2010/main" xmlns="" w="9525">
                 <a:solidFill>
                   <a:srgbClr val="000000"/>
                 </a:solidFill>
@@ -1330,7 +1330,7 @@
               </a14:hiddenLine>
             </a:ext>
             <a:ext uri="{FAA26D3D-D897-4be2-8F04-BA451C77F1D7}">
-              <ma14:placeholderFlag xmlns="" xmlns:ma14="http://schemas.microsoft.com/office/mac/drawingml/2011/main" val="1"/>
+              <ma14:placeholderFlag xmlns:ma14="http://schemas.microsoft.com/office/mac/drawingml/2011/main" xmlns="" val="1"/>
             </a:ext>
           </a:extLst>
         </p:spPr>
@@ -1419,14 +1419,14 @@
           <a:ln/>
           <a:extLst>
             <a:ext uri="{909E8E84-426E-40dd-AFC4-6F175D3DCCD1}">
-              <a14:hiddenFill xmlns="" xmlns:a14="http://schemas.microsoft.com/office/drawing/2010/main">
+              <a14:hiddenFill xmlns:a14="http://schemas.microsoft.com/office/drawing/2010/main" xmlns="">
                 <a:solidFill>
                   <a:srgbClr val="FFFFFF"/>
                 </a:solidFill>
               </a14:hiddenFill>
             </a:ext>
             <a:ext uri="{91240B29-F687-4f45-9708-019B960494DF}">
-              <a14:hiddenLine xmlns="" xmlns:a14="http://schemas.microsoft.com/office/drawing/2010/main" w="9525">
+              <a14:hiddenLine xmlns:a14="http://schemas.microsoft.com/office/drawing/2010/main" xmlns="" w="9525">
                 <a:solidFill>
                   <a:srgbClr val="000000"/>
                 </a:solidFill>
@@ -1749,14 +1749,14 @@
           <a:ln/>
           <a:extLst>
             <a:ext uri="{909E8E84-426E-40dd-AFC4-6F175D3DCCD1}">
-              <a14:hiddenFill xmlns="" xmlns:a14="http://schemas.microsoft.com/office/drawing/2010/main">
+              <a14:hiddenFill xmlns:a14="http://schemas.microsoft.com/office/drawing/2010/main" xmlns="">
                 <a:solidFill>
                   <a:srgbClr val="FFFFFF"/>
                 </a:solidFill>
               </a14:hiddenFill>
             </a:ext>
             <a:ext uri="{91240B29-F687-4f45-9708-019B960494DF}">
-              <a14:hiddenLine xmlns="" xmlns:a14="http://schemas.microsoft.com/office/drawing/2010/main" w="9525">
+              <a14:hiddenLine xmlns:a14="http://schemas.microsoft.com/office/drawing/2010/main" xmlns="" w="9525">
                 <a:solidFill>
                   <a:srgbClr val="000000"/>
                 </a:solidFill>
@@ -1766,7 +1766,7 @@
               </a14:hiddenLine>
             </a:ext>
             <a:ext uri="{FAA26D3D-D897-4be2-8F04-BA451C77F1D7}">
-              <ma14:placeholderFlag xmlns="" xmlns:ma14="http://schemas.microsoft.com/office/mac/drawingml/2011/main" val="1"/>
+              <ma14:placeholderFlag xmlns:ma14="http://schemas.microsoft.com/office/mac/drawingml/2011/main" xmlns="" val="1"/>
             </a:ext>
           </a:extLst>
         </p:spPr>
@@ -2046,7 +2046,7 @@
           <a:p>
             <a:r>
               <a:rPr lang="en-US"/>
-              <a:t>9/14/21</a:t>
+              <a:t>3/30/21</a:t>
             </a:r>
           </a:p>
         </p:txBody>
@@ -2074,7 +2074,7 @@
           <a:p>
             <a:r>
               <a:rPr lang="en-US"/>
-              <a:t>DES Short Course</a:t>
+              <a:t>DES Short Course - Session 2</a:t>
             </a:r>
           </a:p>
         </p:txBody>
@@ -2340,7 +2340,7 @@
           <a:p>
             <a:r>
               <a:rPr lang="en-US"/>
-              <a:t>9/14/21</a:t>
+              <a:t>3/30/21</a:t>
             </a:r>
           </a:p>
         </p:txBody>
@@ -2368,7 +2368,7 @@
           <a:p>
             <a:r>
               <a:rPr lang="en-US"/>
-              <a:t>DES Short Course</a:t>
+              <a:t>DES Short Course - Session 2</a:t>
             </a:r>
           </a:p>
         </p:txBody>
@@ -2550,7 +2550,7 @@
           <a:p>
             <a:r>
               <a:rPr lang="en-US"/>
-              <a:t>9/14/21</a:t>
+              <a:t>3/30/21</a:t>
             </a:r>
           </a:p>
         </p:txBody>
@@ -2578,7 +2578,7 @@
           <a:p>
             <a:r>
               <a:rPr lang="en-US"/>
-              <a:t>DES Short Course</a:t>
+              <a:t>DES Short Course - Session 2</a:t>
             </a:r>
           </a:p>
         </p:txBody>
@@ -2760,7 +2760,7 @@
           <a:p>
             <a:r>
               <a:rPr lang="en-US"/>
-              <a:t>9/14/21</a:t>
+              <a:t>3/30/21</a:t>
             </a:r>
           </a:p>
         </p:txBody>
@@ -2788,7 +2788,7 @@
           <a:p>
             <a:r>
               <a:rPr lang="en-US"/>
-              <a:t>DES Short Course</a:t>
+              <a:t>DES Short Course - Session 2</a:t>
             </a:r>
           </a:p>
         </p:txBody>
@@ -3131,7 +3131,7 @@
           <a:p>
             <a:r>
               <a:rPr lang="en-US"/>
-              <a:t>9/14/21</a:t>
+              <a:t>3/30/21</a:t>
             </a:r>
           </a:p>
         </p:txBody>
@@ -3159,7 +3159,7 @@
           <a:p>
             <a:r>
               <a:rPr lang="en-US"/>
-              <a:t>DES Short Course</a:t>
+              <a:t>DES Short Course - Session 2</a:t>
             </a:r>
           </a:p>
         </p:txBody>
@@ -3398,7 +3398,7 @@
           <a:p>
             <a:r>
               <a:rPr lang="en-US"/>
-              <a:t>9/14/21</a:t>
+              <a:t>3/30/21</a:t>
             </a:r>
           </a:p>
         </p:txBody>
@@ -3426,7 +3426,7 @@
           <a:p>
             <a:r>
               <a:rPr lang="en-US"/>
-              <a:t>DES Short Course</a:t>
+              <a:t>DES Short Course - Session 2</a:t>
             </a:r>
           </a:p>
         </p:txBody>
@@ -3812,7 +3812,7 @@
           <a:p>
             <a:r>
               <a:rPr lang="en-US"/>
-              <a:t>9/14/21</a:t>
+              <a:t>3/30/21</a:t>
             </a:r>
           </a:p>
         </p:txBody>
@@ -3840,7 +3840,7 @@
           <a:p>
             <a:r>
               <a:rPr lang="en-US"/>
-              <a:t>DES Short Course</a:t>
+              <a:t>DES Short Course - Session 2</a:t>
             </a:r>
           </a:p>
         </p:txBody>
@@ -3964,7 +3964,7 @@
           <a:p>
             <a:r>
               <a:rPr lang="en-US"/>
-              <a:t>9/14/21</a:t>
+              <a:t>3/30/21</a:t>
             </a:r>
           </a:p>
         </p:txBody>
@@ -3992,7 +3992,7 @@
           <a:p>
             <a:r>
               <a:rPr lang="en-US"/>
-              <a:t>DES Short Course</a:t>
+              <a:t>DES Short Course - Session 2</a:t>
             </a:r>
           </a:p>
         </p:txBody>
@@ -4173,7 +4173,7 @@
           <a:p>
             <a:r>
               <a:rPr lang="en-US"/>
-              <a:t>9/14/21</a:t>
+              <a:t>3/30/21</a:t>
             </a:r>
           </a:p>
         </p:txBody>
@@ -4201,7 +4201,7 @@
           <a:p>
             <a:r>
               <a:rPr lang="en-US"/>
-              <a:t>DES Short Course</a:t>
+              <a:t>DES Short Course - Session 2</a:t>
             </a:r>
           </a:p>
         </p:txBody>
@@ -4580,7 +4580,7 @@
           <a:p>
             <a:r>
               <a:rPr lang="en-US"/>
-              <a:t>9/14/21</a:t>
+              <a:t>3/30/21</a:t>
             </a:r>
           </a:p>
         </p:txBody>
@@ -4608,7 +4608,7 @@
           <a:p>
             <a:r>
               <a:rPr lang="en-US"/>
-              <a:t>DES Short Course</a:t>
+              <a:t>DES Short Course - Session 2</a:t>
             </a:r>
           </a:p>
         </p:txBody>
@@ -4873,7 +4873,7 @@
           <a:p>
             <a:r>
               <a:rPr lang="en-US"/>
-              <a:t>9/14/21</a:t>
+              <a:t>3/30/21</a:t>
             </a:r>
           </a:p>
         </p:txBody>
@@ -4901,7 +4901,7 @@
           <a:p>
             <a:r>
               <a:rPr lang="en-US"/>
-              <a:t>DES Short Course</a:t>
+              <a:t>DES Short Course - Session 2</a:t>
             </a:r>
           </a:p>
         </p:txBody>
@@ -5116,7 +5116,7 @@
           <a:p>
             <a:r>
               <a:rPr lang="en-US"/>
-              <a:t>9/14/21</a:t>
+              <a:t>3/30/21</a:t>
             </a:r>
           </a:p>
         </p:txBody>
@@ -5162,7 +5162,7 @@
           <a:p>
             <a:r>
               <a:rPr lang="en-US"/>
-              <a:t>DES Short Course</a:t>
+              <a:t>DES Short Course - Session 2</a:t>
             </a:r>
           </a:p>
         </p:txBody>
@@ -5235,7 +5235,7 @@
     <p:sldLayoutId id="2147483658" r:id="rId10"/>
     <p:sldLayoutId id="2147483659" r:id="rId11"/>
   </p:sldLayoutIdLst>
-  <p:hf hdr="0"/>
+  <p:hf hdr="0" dt="0"/>
   <p:txStyles>
     <p:titleStyle>
       <a:lvl1pPr algn="l" defTabSz="914400" rtl="0" eaLnBrk="1" latinLnBrk="0" hangingPunct="1">
@@ -5727,18 +5727,18 @@
       </p:sp>
       <p:sp>
         <p:nvSpPr>
-          <p:cNvPr id="3" name="Date Placeholder 2">
-            <a:extLst>
-              <a:ext uri="{FF2B5EF4-FFF2-40B4-BE49-F238E27FC236}">
-                <a16:creationId xmlns:a16="http://schemas.microsoft.com/office/drawing/2014/main" id="{373B9281-153F-A241-BC53-146BA610C69C}"/>
-              </a:ext>
-            </a:extLst>
-          </p:cNvPr>
-          <p:cNvSpPr>
-            <a:spLocks noGrp="1"/>
-          </p:cNvSpPr>
-          <p:nvPr>
-            <p:ph type="dt" sz="half" idx="10"/>
+          <p:cNvPr id="6" name="Footer Placeholder 5">
+            <a:extLst>
+              <a:ext uri="{FF2B5EF4-FFF2-40B4-BE49-F238E27FC236}">
+                <a16:creationId xmlns:a16="http://schemas.microsoft.com/office/drawing/2014/main" id="{05E94A75-81F0-A641-A18C-F2A26F96409D}"/>
+              </a:ext>
+            </a:extLst>
+          </p:cNvPr>
+          <p:cNvSpPr>
+            <a:spLocks noGrp="1"/>
+          </p:cNvSpPr>
+          <p:nvPr>
+            <p:ph type="ftr" sz="quarter" idx="11"/>
           </p:nvPr>
         </p:nvSpPr>
         <p:spPr/>
@@ -5751,38 +5751,7 @@
             </a:pPr>
             <a:r>
               <a:rPr lang="en-US"/>
-              <a:t>3/30/21</a:t>
-            </a:r>
-          </a:p>
-        </p:txBody>
-      </p:sp>
-      <p:sp>
-        <p:nvSpPr>
-          <p:cNvPr id="6" name="Footer Placeholder 5">
-            <a:extLst>
-              <a:ext uri="{FF2B5EF4-FFF2-40B4-BE49-F238E27FC236}">
-                <a16:creationId xmlns:a16="http://schemas.microsoft.com/office/drawing/2014/main" id="{05E94A75-81F0-A641-A18C-F2A26F96409D}"/>
-              </a:ext>
-            </a:extLst>
-          </p:cNvPr>
-          <p:cNvSpPr>
-            <a:spLocks noGrp="1"/>
-          </p:cNvSpPr>
-          <p:nvPr>
-            <p:ph type="ftr" sz="quarter" idx="11"/>
-          </p:nvPr>
-        </p:nvSpPr>
-        <p:spPr/>
-        <p:txBody>
-          <a:bodyPr/>
-          <a:lstStyle/>
-          <a:p>
-            <a:pPr>
-              <a:defRPr/>
-            </a:pPr>
-            <a:r>
-              <a:rPr lang="en-US"/>
-              <a:t>MV3302</a:t>
+              <a:t>DES Short Course - Session 2</a:t>
             </a:r>
           </a:p>
         </p:txBody>
@@ -6847,18 +6816,18 @@
       </p:sp>
       <p:sp>
         <p:nvSpPr>
-          <p:cNvPr id="5" name="Date Placeholder 4">
-            <a:extLst>
-              <a:ext uri="{FF2B5EF4-FFF2-40B4-BE49-F238E27FC236}">
-                <a16:creationId xmlns:a16="http://schemas.microsoft.com/office/drawing/2014/main" id="{4C7EC27E-1BC1-0940-874B-A9E67ADE45B5}"/>
-              </a:ext>
-            </a:extLst>
-          </p:cNvPr>
-          <p:cNvSpPr>
-            <a:spLocks noGrp="1"/>
-          </p:cNvSpPr>
-          <p:nvPr>
-            <p:ph type="dt" sz="half" idx="10"/>
+          <p:cNvPr id="7" name="Footer Placeholder 6">
+            <a:extLst>
+              <a:ext uri="{FF2B5EF4-FFF2-40B4-BE49-F238E27FC236}">
+                <a16:creationId xmlns:a16="http://schemas.microsoft.com/office/drawing/2014/main" id="{1E60D924-20D8-9E4B-8AFC-EDBBBD7408F7}"/>
+              </a:ext>
+            </a:extLst>
+          </p:cNvPr>
+          <p:cNvSpPr>
+            <a:spLocks noGrp="1"/>
+          </p:cNvSpPr>
+          <p:nvPr>
+            <p:ph type="ftr" sz="quarter" idx="11"/>
           </p:nvPr>
         </p:nvSpPr>
         <p:spPr/>
@@ -6871,38 +6840,7 @@
             </a:pPr>
             <a:r>
               <a:rPr lang="en-US"/>
-              <a:t>3/30/21</a:t>
-            </a:r>
-          </a:p>
-        </p:txBody>
-      </p:sp>
-      <p:sp>
-        <p:nvSpPr>
-          <p:cNvPr id="7" name="Footer Placeholder 6">
-            <a:extLst>
-              <a:ext uri="{FF2B5EF4-FFF2-40B4-BE49-F238E27FC236}">
-                <a16:creationId xmlns:a16="http://schemas.microsoft.com/office/drawing/2014/main" id="{1E60D924-20D8-9E4B-8AFC-EDBBBD7408F7}"/>
-              </a:ext>
-            </a:extLst>
-          </p:cNvPr>
-          <p:cNvSpPr>
-            <a:spLocks noGrp="1"/>
-          </p:cNvSpPr>
-          <p:nvPr>
-            <p:ph type="ftr" sz="quarter" idx="11"/>
-          </p:nvPr>
-        </p:nvSpPr>
-        <p:spPr/>
-        <p:txBody>
-          <a:bodyPr/>
-          <a:lstStyle/>
-          <a:p>
-            <a:pPr>
-              <a:defRPr/>
-            </a:pPr>
-            <a:r>
-              <a:rPr lang="en-US"/>
-              <a:t>MV3302</a:t>
+              <a:t>DES Short Course - Session 2</a:t>
             </a:r>
           </a:p>
         </p:txBody>
@@ -8021,18 +7959,18 @@
       </p:sp>
       <p:sp>
         <p:nvSpPr>
-          <p:cNvPr id="4" name="Date Placeholder 3">
-            <a:extLst>
-              <a:ext uri="{FF2B5EF4-FFF2-40B4-BE49-F238E27FC236}">
-                <a16:creationId xmlns:a16="http://schemas.microsoft.com/office/drawing/2014/main" id="{903BA1DB-DB3B-FA4D-8078-0CDAA7C35641}"/>
-              </a:ext>
-            </a:extLst>
-          </p:cNvPr>
-          <p:cNvSpPr>
-            <a:spLocks noGrp="1"/>
-          </p:cNvSpPr>
-          <p:nvPr>
-            <p:ph type="dt" sz="half" idx="10"/>
+          <p:cNvPr id="5" name="Footer Placeholder 4">
+            <a:extLst>
+              <a:ext uri="{FF2B5EF4-FFF2-40B4-BE49-F238E27FC236}">
+                <a16:creationId xmlns:a16="http://schemas.microsoft.com/office/drawing/2014/main" id="{9C051056-3B2B-274F-A161-C4874BB89DB3}"/>
+              </a:ext>
+            </a:extLst>
+          </p:cNvPr>
+          <p:cNvSpPr>
+            <a:spLocks noGrp="1"/>
+          </p:cNvSpPr>
+          <p:nvPr>
+            <p:ph type="ftr" sz="quarter" idx="11"/>
           </p:nvPr>
         </p:nvSpPr>
         <p:spPr/>
@@ -8045,38 +7983,7 @@
             </a:pPr>
             <a:r>
               <a:rPr lang="en-US"/>
-              <a:t>3/30/21</a:t>
-            </a:r>
-          </a:p>
-        </p:txBody>
-      </p:sp>
-      <p:sp>
-        <p:nvSpPr>
-          <p:cNvPr id="5" name="Footer Placeholder 4">
-            <a:extLst>
-              <a:ext uri="{FF2B5EF4-FFF2-40B4-BE49-F238E27FC236}">
-                <a16:creationId xmlns:a16="http://schemas.microsoft.com/office/drawing/2014/main" id="{9C051056-3B2B-274F-A161-C4874BB89DB3}"/>
-              </a:ext>
-            </a:extLst>
-          </p:cNvPr>
-          <p:cNvSpPr>
-            <a:spLocks noGrp="1"/>
-          </p:cNvSpPr>
-          <p:nvPr>
-            <p:ph type="ftr" sz="quarter" idx="11"/>
-          </p:nvPr>
-        </p:nvSpPr>
-        <p:spPr/>
-        <p:txBody>
-          <a:bodyPr/>
-          <a:lstStyle/>
-          <a:p>
-            <a:pPr>
-              <a:defRPr/>
-            </a:pPr>
-            <a:r>
-              <a:rPr lang="en-US"/>
-              <a:t>MV3302</a:t>
+              <a:t>DES Short Course - Session 2</a:t>
             </a:r>
           </a:p>
         </p:txBody>
@@ -8218,18 +8125,18 @@
       </p:sp>
       <p:sp>
         <p:nvSpPr>
-          <p:cNvPr id="3" name="Date Placeholder 2">
-            <a:extLst>
-              <a:ext uri="{FF2B5EF4-FFF2-40B4-BE49-F238E27FC236}">
-                <a16:creationId xmlns:a16="http://schemas.microsoft.com/office/drawing/2014/main" id="{91923053-E917-CD4E-A09E-D09D882B922C}"/>
-              </a:ext>
-            </a:extLst>
-          </p:cNvPr>
-          <p:cNvSpPr>
-            <a:spLocks noGrp="1"/>
-          </p:cNvSpPr>
-          <p:nvPr>
-            <p:ph type="dt" sz="half" idx="10"/>
+          <p:cNvPr id="5" name="Footer Placeholder 4">
+            <a:extLst>
+              <a:ext uri="{FF2B5EF4-FFF2-40B4-BE49-F238E27FC236}">
+                <a16:creationId xmlns:a16="http://schemas.microsoft.com/office/drawing/2014/main" id="{DA8C983E-FB93-A449-85EF-07B53D1CC966}"/>
+              </a:ext>
+            </a:extLst>
+          </p:cNvPr>
+          <p:cNvSpPr>
+            <a:spLocks noGrp="1"/>
+          </p:cNvSpPr>
+          <p:nvPr>
+            <p:ph type="ftr" sz="quarter" idx="11"/>
           </p:nvPr>
         </p:nvSpPr>
         <p:spPr/>
@@ -8242,38 +8149,7 @@
             </a:pPr>
             <a:r>
               <a:rPr lang="en-US"/>
-              <a:t>3/30/21</a:t>
-            </a:r>
-          </a:p>
-        </p:txBody>
-      </p:sp>
-      <p:sp>
-        <p:nvSpPr>
-          <p:cNvPr id="5" name="Footer Placeholder 4">
-            <a:extLst>
-              <a:ext uri="{FF2B5EF4-FFF2-40B4-BE49-F238E27FC236}">
-                <a16:creationId xmlns:a16="http://schemas.microsoft.com/office/drawing/2014/main" id="{DA8C983E-FB93-A449-85EF-07B53D1CC966}"/>
-              </a:ext>
-            </a:extLst>
-          </p:cNvPr>
-          <p:cNvSpPr>
-            <a:spLocks noGrp="1"/>
-          </p:cNvSpPr>
-          <p:nvPr>
-            <p:ph type="ftr" sz="quarter" idx="11"/>
-          </p:nvPr>
-        </p:nvSpPr>
-        <p:spPr/>
-        <p:txBody>
-          <a:bodyPr/>
-          <a:lstStyle/>
-          <a:p>
-            <a:pPr>
-              <a:defRPr/>
-            </a:pPr>
-            <a:r>
-              <a:rPr lang="en-US"/>
-              <a:t>MV3302</a:t>
+              <a:t>DES Short Course - Session 2</a:t>
             </a:r>
           </a:p>
         </p:txBody>
@@ -8461,18 +8337,18 @@
       </p:sp>
       <p:sp>
         <p:nvSpPr>
-          <p:cNvPr id="3" name="Date Placeholder 2">
-            <a:extLst>
-              <a:ext uri="{FF2B5EF4-FFF2-40B4-BE49-F238E27FC236}">
-                <a16:creationId xmlns:a16="http://schemas.microsoft.com/office/drawing/2014/main" id="{E508B230-A5A8-8F48-BB3D-A69E9F08281B}"/>
-              </a:ext>
-            </a:extLst>
-          </p:cNvPr>
-          <p:cNvSpPr>
-            <a:spLocks noGrp="1"/>
-          </p:cNvSpPr>
-          <p:nvPr>
-            <p:ph type="dt" sz="half" idx="10"/>
+          <p:cNvPr id="5" name="Footer Placeholder 4">
+            <a:extLst>
+              <a:ext uri="{FF2B5EF4-FFF2-40B4-BE49-F238E27FC236}">
+                <a16:creationId xmlns:a16="http://schemas.microsoft.com/office/drawing/2014/main" id="{F9F11F90-06E7-D944-AEB7-4A6A32C41764}"/>
+              </a:ext>
+            </a:extLst>
+          </p:cNvPr>
+          <p:cNvSpPr>
+            <a:spLocks noGrp="1"/>
+          </p:cNvSpPr>
+          <p:nvPr>
+            <p:ph type="ftr" sz="quarter" idx="11"/>
           </p:nvPr>
         </p:nvSpPr>
         <p:spPr/>
@@ -8485,38 +8361,7 @@
             </a:pPr>
             <a:r>
               <a:rPr lang="en-US"/>
-              <a:t>3/30/21</a:t>
-            </a:r>
-          </a:p>
-        </p:txBody>
-      </p:sp>
-      <p:sp>
-        <p:nvSpPr>
-          <p:cNvPr id="5" name="Footer Placeholder 4">
-            <a:extLst>
-              <a:ext uri="{FF2B5EF4-FFF2-40B4-BE49-F238E27FC236}">
-                <a16:creationId xmlns:a16="http://schemas.microsoft.com/office/drawing/2014/main" id="{F9F11F90-06E7-D944-AEB7-4A6A32C41764}"/>
-              </a:ext>
-            </a:extLst>
-          </p:cNvPr>
-          <p:cNvSpPr>
-            <a:spLocks noGrp="1"/>
-          </p:cNvSpPr>
-          <p:nvPr>
-            <p:ph type="ftr" sz="quarter" idx="11"/>
-          </p:nvPr>
-        </p:nvSpPr>
-        <p:spPr/>
-        <p:txBody>
-          <a:bodyPr/>
-          <a:lstStyle/>
-          <a:p>
-            <a:pPr>
-              <a:defRPr/>
-            </a:pPr>
-            <a:r>
-              <a:rPr lang="en-US"/>
-              <a:t>MV3302</a:t>
+              <a:t>DES Short Course - Session 2</a:t>
             </a:r>
           </a:p>
         </p:txBody>
@@ -8618,18 +8463,18 @@
       </p:pic>
       <p:sp>
         <p:nvSpPr>
-          <p:cNvPr id="4" name="Date Placeholder 3">
-            <a:extLst>
-              <a:ext uri="{FF2B5EF4-FFF2-40B4-BE49-F238E27FC236}">
-                <a16:creationId xmlns:a16="http://schemas.microsoft.com/office/drawing/2014/main" id="{313AD0AE-2FBF-E94D-BB1C-4D6B844825B0}"/>
-              </a:ext>
-            </a:extLst>
-          </p:cNvPr>
-          <p:cNvSpPr>
-            <a:spLocks noGrp="1"/>
-          </p:cNvSpPr>
-          <p:nvPr>
-            <p:ph type="dt" sz="half" idx="10"/>
+          <p:cNvPr id="5" name="Footer Placeholder 4">
+            <a:extLst>
+              <a:ext uri="{FF2B5EF4-FFF2-40B4-BE49-F238E27FC236}">
+                <a16:creationId xmlns:a16="http://schemas.microsoft.com/office/drawing/2014/main" id="{F72E69B2-35CB-4C4F-80A6-0A752EF2A254}"/>
+              </a:ext>
+            </a:extLst>
+          </p:cNvPr>
+          <p:cNvSpPr>
+            <a:spLocks noGrp="1"/>
+          </p:cNvSpPr>
+          <p:nvPr>
+            <p:ph type="ftr" sz="quarter" idx="11"/>
           </p:nvPr>
         </p:nvSpPr>
         <p:spPr/>
@@ -8642,38 +8487,7 @@
             </a:pPr>
             <a:r>
               <a:rPr lang="en-US"/>
-              <a:t>3/30/21</a:t>
-            </a:r>
-          </a:p>
-        </p:txBody>
-      </p:sp>
-      <p:sp>
-        <p:nvSpPr>
-          <p:cNvPr id="5" name="Footer Placeholder 4">
-            <a:extLst>
-              <a:ext uri="{FF2B5EF4-FFF2-40B4-BE49-F238E27FC236}">
-                <a16:creationId xmlns:a16="http://schemas.microsoft.com/office/drawing/2014/main" id="{F72E69B2-35CB-4C4F-80A6-0A752EF2A254}"/>
-              </a:ext>
-            </a:extLst>
-          </p:cNvPr>
-          <p:cNvSpPr>
-            <a:spLocks noGrp="1"/>
-          </p:cNvSpPr>
-          <p:nvPr>
-            <p:ph type="ftr" sz="quarter" idx="11"/>
-          </p:nvPr>
-        </p:nvSpPr>
-        <p:spPr/>
-        <p:txBody>
-          <a:bodyPr/>
-          <a:lstStyle/>
-          <a:p>
-            <a:pPr>
-              <a:defRPr/>
-            </a:pPr>
-            <a:r>
-              <a:rPr lang="en-US"/>
-              <a:t>MV3302</a:t>
+              <a:t>DES Short Course - Session 2</a:t>
             </a:r>
           </a:p>
         </p:txBody>
@@ -8833,18 +8647,18 @@
       </p:sp>
       <p:sp>
         <p:nvSpPr>
-          <p:cNvPr id="2" name="Date Placeholder 1">
-            <a:extLst>
-              <a:ext uri="{FF2B5EF4-FFF2-40B4-BE49-F238E27FC236}">
-                <a16:creationId xmlns:a16="http://schemas.microsoft.com/office/drawing/2014/main" id="{B4505FF4-5735-8E4B-9E6C-84E3FF31C248}"/>
-              </a:ext>
-            </a:extLst>
-          </p:cNvPr>
-          <p:cNvSpPr>
-            <a:spLocks noGrp="1"/>
-          </p:cNvSpPr>
-          <p:nvPr>
-            <p:ph type="dt" sz="half" idx="10"/>
+          <p:cNvPr id="4" name="Footer Placeholder 3">
+            <a:extLst>
+              <a:ext uri="{FF2B5EF4-FFF2-40B4-BE49-F238E27FC236}">
+                <a16:creationId xmlns:a16="http://schemas.microsoft.com/office/drawing/2014/main" id="{CE6A9090-16FA-0E4D-A4B9-5C882312DE84}"/>
+              </a:ext>
+            </a:extLst>
+          </p:cNvPr>
+          <p:cNvSpPr>
+            <a:spLocks noGrp="1"/>
+          </p:cNvSpPr>
+          <p:nvPr>
+            <p:ph type="ftr" sz="quarter" idx="11"/>
           </p:nvPr>
         </p:nvSpPr>
         <p:spPr/>
@@ -8857,38 +8671,7 @@
             </a:pPr>
             <a:r>
               <a:rPr lang="en-US"/>
-              <a:t>3/30/21</a:t>
-            </a:r>
-          </a:p>
-        </p:txBody>
-      </p:sp>
-      <p:sp>
-        <p:nvSpPr>
-          <p:cNvPr id="4" name="Footer Placeholder 3">
-            <a:extLst>
-              <a:ext uri="{FF2B5EF4-FFF2-40B4-BE49-F238E27FC236}">
-                <a16:creationId xmlns:a16="http://schemas.microsoft.com/office/drawing/2014/main" id="{CE6A9090-16FA-0E4D-A4B9-5C882312DE84}"/>
-              </a:ext>
-            </a:extLst>
-          </p:cNvPr>
-          <p:cNvSpPr>
-            <a:spLocks noGrp="1"/>
-          </p:cNvSpPr>
-          <p:nvPr>
-            <p:ph type="ftr" sz="quarter" idx="11"/>
-          </p:nvPr>
-        </p:nvSpPr>
-        <p:spPr/>
-        <p:txBody>
-          <a:bodyPr/>
-          <a:lstStyle/>
-          <a:p>
-            <a:pPr>
-              <a:defRPr/>
-            </a:pPr>
-            <a:r>
-              <a:rPr lang="en-US"/>
-              <a:t>MV3302</a:t>
+              <a:t>DES Short Course - Session 2</a:t>
             </a:r>
           </a:p>
         </p:txBody>
@@ -9023,18 +8806,18 @@
       </p:sp>
       <p:sp>
         <p:nvSpPr>
-          <p:cNvPr id="4" name="Date Placeholder 3">
-            <a:extLst>
-              <a:ext uri="{FF2B5EF4-FFF2-40B4-BE49-F238E27FC236}">
-                <a16:creationId xmlns:a16="http://schemas.microsoft.com/office/drawing/2014/main" id="{B47848FA-1DE0-8D44-A2B3-4B7AA3FD9DC8}"/>
-              </a:ext>
-            </a:extLst>
-          </p:cNvPr>
-          <p:cNvSpPr>
-            <a:spLocks noGrp="1"/>
-          </p:cNvSpPr>
-          <p:nvPr>
-            <p:ph type="dt" sz="half" idx="10"/>
+          <p:cNvPr id="5" name="Footer Placeholder 4">
+            <a:extLst>
+              <a:ext uri="{FF2B5EF4-FFF2-40B4-BE49-F238E27FC236}">
+                <a16:creationId xmlns:a16="http://schemas.microsoft.com/office/drawing/2014/main" id="{790D4ECD-0DC9-D845-BC55-748212F1A7F2}"/>
+              </a:ext>
+            </a:extLst>
+          </p:cNvPr>
+          <p:cNvSpPr>
+            <a:spLocks noGrp="1"/>
+          </p:cNvSpPr>
+          <p:nvPr>
+            <p:ph type="ftr" sz="quarter" idx="11"/>
           </p:nvPr>
         </p:nvSpPr>
         <p:spPr/>
@@ -9044,35 +8827,7 @@
           <a:p>
             <a:r>
               <a:rPr lang="en-US"/>
-              <a:t>9/14/21</a:t>
-            </a:r>
-          </a:p>
-        </p:txBody>
-      </p:sp>
-      <p:sp>
-        <p:nvSpPr>
-          <p:cNvPr id="5" name="Footer Placeholder 4">
-            <a:extLst>
-              <a:ext uri="{FF2B5EF4-FFF2-40B4-BE49-F238E27FC236}">
-                <a16:creationId xmlns:a16="http://schemas.microsoft.com/office/drawing/2014/main" id="{790D4ECD-0DC9-D845-BC55-748212F1A7F2}"/>
-              </a:ext>
-            </a:extLst>
-          </p:cNvPr>
-          <p:cNvSpPr>
-            <a:spLocks noGrp="1"/>
-          </p:cNvSpPr>
-          <p:nvPr>
-            <p:ph type="ftr" sz="quarter" idx="11"/>
-          </p:nvPr>
-        </p:nvSpPr>
-        <p:spPr/>
-        <p:txBody>
-          <a:bodyPr/>
-          <a:lstStyle/>
-          <a:p>
-            <a:r>
-              <a:rPr lang="en-US"/>
-              <a:t>DES Short Course</a:t>
+              <a:t>DES Short Course - Session 2</a:t>
             </a:r>
           </a:p>
         </p:txBody>
@@ -9212,18 +8967,18 @@
       </p:sp>
       <p:sp>
         <p:nvSpPr>
-          <p:cNvPr id="4" name="Date Placeholder 3">
-            <a:extLst>
-              <a:ext uri="{FF2B5EF4-FFF2-40B4-BE49-F238E27FC236}">
-                <a16:creationId xmlns:a16="http://schemas.microsoft.com/office/drawing/2014/main" id="{4414D6A4-E950-304C-A8CE-2A07C298D6ED}"/>
-              </a:ext>
-            </a:extLst>
-          </p:cNvPr>
-          <p:cNvSpPr>
-            <a:spLocks noGrp="1"/>
-          </p:cNvSpPr>
-          <p:nvPr>
-            <p:ph type="dt" sz="half" idx="10"/>
+          <p:cNvPr id="5" name="Footer Placeholder 4">
+            <a:extLst>
+              <a:ext uri="{FF2B5EF4-FFF2-40B4-BE49-F238E27FC236}">
+                <a16:creationId xmlns:a16="http://schemas.microsoft.com/office/drawing/2014/main" id="{5A337A38-92DE-E347-A41A-DE516B66BC54}"/>
+              </a:ext>
+            </a:extLst>
+          </p:cNvPr>
+          <p:cNvSpPr>
+            <a:spLocks noGrp="1"/>
+          </p:cNvSpPr>
+          <p:nvPr>
+            <p:ph type="ftr" sz="quarter" idx="11"/>
           </p:nvPr>
         </p:nvSpPr>
         <p:spPr/>
@@ -9236,38 +8991,7 @@
             </a:pPr>
             <a:r>
               <a:rPr lang="en-US"/>
-              <a:t>3/30/21</a:t>
-            </a:r>
-          </a:p>
-        </p:txBody>
-      </p:sp>
-      <p:sp>
-        <p:nvSpPr>
-          <p:cNvPr id="5" name="Footer Placeholder 4">
-            <a:extLst>
-              <a:ext uri="{FF2B5EF4-FFF2-40B4-BE49-F238E27FC236}">
-                <a16:creationId xmlns:a16="http://schemas.microsoft.com/office/drawing/2014/main" id="{5A337A38-92DE-E347-A41A-DE516B66BC54}"/>
-              </a:ext>
-            </a:extLst>
-          </p:cNvPr>
-          <p:cNvSpPr>
-            <a:spLocks noGrp="1"/>
-          </p:cNvSpPr>
-          <p:nvPr>
-            <p:ph type="ftr" sz="quarter" idx="11"/>
-          </p:nvPr>
-        </p:nvSpPr>
-        <p:spPr/>
-        <p:txBody>
-          <a:bodyPr/>
-          <a:lstStyle/>
-          <a:p>
-            <a:pPr>
-              <a:defRPr/>
-            </a:pPr>
-            <a:r>
-              <a:rPr lang="en-US"/>
-              <a:t>MV3302</a:t>
+              <a:t>DES Short Course - Session 2</a:t>
             </a:r>
           </a:p>
         </p:txBody>
@@ -9367,18 +9091,18 @@
       </p:sp>
       <p:sp>
         <p:nvSpPr>
-          <p:cNvPr id="3" name="Date Placeholder 2">
-            <a:extLst>
-              <a:ext uri="{FF2B5EF4-FFF2-40B4-BE49-F238E27FC236}">
-                <a16:creationId xmlns:a16="http://schemas.microsoft.com/office/drawing/2014/main" id="{8263D578-E604-E84F-9983-22297EF756D0}"/>
-              </a:ext>
-            </a:extLst>
-          </p:cNvPr>
-          <p:cNvSpPr>
-            <a:spLocks noGrp="1"/>
-          </p:cNvSpPr>
-          <p:nvPr>
-            <p:ph type="dt" sz="half" idx="10"/>
+          <p:cNvPr id="4" name="Footer Placeholder 3">
+            <a:extLst>
+              <a:ext uri="{FF2B5EF4-FFF2-40B4-BE49-F238E27FC236}">
+                <a16:creationId xmlns:a16="http://schemas.microsoft.com/office/drawing/2014/main" id="{6017E51B-6FD0-3649-91F7-4D69C5D95AE9}"/>
+              </a:ext>
+            </a:extLst>
+          </p:cNvPr>
+          <p:cNvSpPr>
+            <a:spLocks noGrp="1"/>
+          </p:cNvSpPr>
+          <p:nvPr>
+            <p:ph type="ftr" sz="quarter" idx="11"/>
           </p:nvPr>
         </p:nvSpPr>
         <p:spPr/>
@@ -9391,38 +9115,7 @@
             </a:pPr>
             <a:r>
               <a:rPr lang="en-US"/>
-              <a:t>3/30/21</a:t>
-            </a:r>
-          </a:p>
-        </p:txBody>
-      </p:sp>
-      <p:sp>
-        <p:nvSpPr>
-          <p:cNvPr id="4" name="Footer Placeholder 3">
-            <a:extLst>
-              <a:ext uri="{FF2B5EF4-FFF2-40B4-BE49-F238E27FC236}">
-                <a16:creationId xmlns:a16="http://schemas.microsoft.com/office/drawing/2014/main" id="{6017E51B-6FD0-3649-91F7-4D69C5D95AE9}"/>
-              </a:ext>
-            </a:extLst>
-          </p:cNvPr>
-          <p:cNvSpPr>
-            <a:spLocks noGrp="1"/>
-          </p:cNvSpPr>
-          <p:nvPr>
-            <p:ph type="ftr" sz="quarter" idx="11"/>
-          </p:nvPr>
-        </p:nvSpPr>
-        <p:spPr/>
-        <p:txBody>
-          <a:bodyPr/>
-          <a:lstStyle/>
-          <a:p>
-            <a:pPr>
-              <a:defRPr/>
-            </a:pPr>
-            <a:r>
-              <a:rPr lang="en-US"/>
-              <a:t>MV3302</a:t>
+              <a:t>DES Short Course - Session 2</a:t>
             </a:r>
           </a:p>
         </p:txBody>
@@ -9864,12 +9557,12 @@
       </p:sp>
       <p:sp>
         <p:nvSpPr>
-          <p:cNvPr id="2" name="Date Placeholder 1"/>
-          <p:cNvSpPr>
-            <a:spLocks noGrp="1"/>
-          </p:cNvSpPr>
-          <p:nvPr>
-            <p:ph type="dt" sz="half" idx="10"/>
+          <p:cNvPr id="3" name="Footer Placeholder 2"/>
+          <p:cNvSpPr>
+            <a:spLocks noGrp="1"/>
+          </p:cNvSpPr>
+          <p:nvPr>
+            <p:ph type="ftr" sz="quarter" idx="11"/>
           </p:nvPr>
         </p:nvSpPr>
         <p:spPr/>
@@ -9879,30 +9572,7 @@
           <a:p>
             <a:r>
               <a:rPr lang="en-US"/>
-              <a:t>3/30/21</a:t>
-            </a:r>
-            <a:endParaRPr lang="en-GB"/>
-          </a:p>
-        </p:txBody>
-      </p:sp>
-      <p:sp>
-        <p:nvSpPr>
-          <p:cNvPr id="3" name="Footer Placeholder 2"/>
-          <p:cNvSpPr>
-            <a:spLocks noGrp="1"/>
-          </p:cNvSpPr>
-          <p:nvPr>
-            <p:ph type="ftr" sz="quarter" idx="11"/>
-          </p:nvPr>
-        </p:nvSpPr>
-        <p:spPr/>
-        <p:txBody>
-          <a:bodyPr/>
-          <a:lstStyle/>
-          <a:p>
-            <a:r>
-              <a:rPr lang="en-US"/>
-              <a:t>MV3302</a:t>
+              <a:t>DES Short Course - Session 2</a:t>
             </a:r>
             <a:endParaRPr lang="en-GB"/>
           </a:p>
@@ -9923,14 +9593,14 @@
           <a:ln/>
           <a:extLst>
             <a:ext uri="{909E8E84-426E-40dd-AFC4-6F175D3DCCD1}">
-              <a14:hiddenFill xmlns="" xmlns:a14="http://schemas.microsoft.com/office/drawing/2010/main">
+              <a14:hiddenFill xmlns:a14="http://schemas.microsoft.com/office/drawing/2010/main" xmlns="">
                 <a:solidFill>
                   <a:srgbClr val="FFFFFF"/>
                 </a:solidFill>
               </a14:hiddenFill>
             </a:ext>
             <a:ext uri="{91240B29-F687-4f45-9708-019B960494DF}">
-              <a14:hiddenLine xmlns="" xmlns:a14="http://schemas.microsoft.com/office/drawing/2010/main" w="9525">
+              <a14:hiddenLine xmlns:a14="http://schemas.microsoft.com/office/drawing/2010/main" xmlns="" w="9525">
                 <a:solidFill>
                   <a:srgbClr val="000000"/>
                 </a:solidFill>
@@ -10554,12 +10224,12 @@
       </p:sp>
       <p:sp>
         <p:nvSpPr>
-          <p:cNvPr id="2" name="Date Placeholder 1"/>
-          <p:cNvSpPr>
-            <a:spLocks noGrp="1"/>
-          </p:cNvSpPr>
-          <p:nvPr>
-            <p:ph type="dt" sz="half" idx="10"/>
+          <p:cNvPr id="3" name="Footer Placeholder 2"/>
+          <p:cNvSpPr>
+            <a:spLocks noGrp="1"/>
+          </p:cNvSpPr>
+          <p:nvPr>
+            <p:ph type="ftr" sz="quarter" idx="11"/>
           </p:nvPr>
         </p:nvSpPr>
         <p:spPr/>
@@ -10569,30 +10239,7 @@
           <a:p>
             <a:r>
               <a:rPr lang="en-US"/>
-              <a:t>3/30/21</a:t>
-            </a:r>
-            <a:endParaRPr lang="en-GB"/>
-          </a:p>
-        </p:txBody>
-      </p:sp>
-      <p:sp>
-        <p:nvSpPr>
-          <p:cNvPr id="3" name="Footer Placeholder 2"/>
-          <p:cNvSpPr>
-            <a:spLocks noGrp="1"/>
-          </p:cNvSpPr>
-          <p:nvPr>
-            <p:ph type="ftr" sz="quarter" idx="11"/>
-          </p:nvPr>
-        </p:nvSpPr>
-        <p:spPr/>
-        <p:txBody>
-          <a:bodyPr/>
-          <a:lstStyle/>
-          <a:p>
-            <a:r>
-              <a:rPr lang="en-US"/>
-              <a:t>MV3302</a:t>
+              <a:t>DES Short Course - Session 2</a:t>
             </a:r>
             <a:endParaRPr lang="en-GB"/>
           </a:p>
@@ -10613,14 +10260,14 @@
           <a:ln/>
           <a:extLst>
             <a:ext uri="{909E8E84-426E-40dd-AFC4-6F175D3DCCD1}">
-              <a14:hiddenFill xmlns="" xmlns:a14="http://schemas.microsoft.com/office/drawing/2010/main">
+              <a14:hiddenFill xmlns:a14="http://schemas.microsoft.com/office/drawing/2010/main" xmlns="">
                 <a:solidFill>
                   <a:srgbClr val="FFFFFF"/>
                 </a:solidFill>
               </a14:hiddenFill>
             </a:ext>
             <a:ext uri="{91240B29-F687-4f45-9708-019B960494DF}">
-              <a14:hiddenLine xmlns="" xmlns:a14="http://schemas.microsoft.com/office/drawing/2010/main" w="9525">
+              <a14:hiddenLine xmlns:a14="http://schemas.microsoft.com/office/drawing/2010/main" xmlns="" w="9525">
                 <a:solidFill>
                   <a:srgbClr val="000000"/>
                 </a:solidFill>
@@ -11141,12 +10788,12 @@
       </p:sp>
       <p:sp>
         <p:nvSpPr>
-          <p:cNvPr id="2" name="Date Placeholder 1"/>
-          <p:cNvSpPr>
-            <a:spLocks noGrp="1"/>
-          </p:cNvSpPr>
-          <p:nvPr>
-            <p:ph type="dt" sz="half" idx="10"/>
+          <p:cNvPr id="3" name="Footer Placeholder 2"/>
+          <p:cNvSpPr>
+            <a:spLocks noGrp="1"/>
+          </p:cNvSpPr>
+          <p:nvPr>
+            <p:ph type="ftr" sz="quarter" idx="11"/>
           </p:nvPr>
         </p:nvSpPr>
         <p:spPr/>
@@ -11156,30 +10803,7 @@
           <a:p>
             <a:r>
               <a:rPr lang="en-US"/>
-              <a:t>3/30/21</a:t>
-            </a:r>
-            <a:endParaRPr lang="en-GB"/>
-          </a:p>
-        </p:txBody>
-      </p:sp>
-      <p:sp>
-        <p:nvSpPr>
-          <p:cNvPr id="3" name="Footer Placeholder 2"/>
-          <p:cNvSpPr>
-            <a:spLocks noGrp="1"/>
-          </p:cNvSpPr>
-          <p:nvPr>
-            <p:ph type="ftr" sz="quarter" idx="11"/>
-          </p:nvPr>
-        </p:nvSpPr>
-        <p:spPr/>
-        <p:txBody>
-          <a:bodyPr/>
-          <a:lstStyle/>
-          <a:p>
-            <a:r>
-              <a:rPr lang="en-US"/>
-              <a:t>MV3302</a:t>
+              <a:t>DES Short Course - Session 2</a:t>
             </a:r>
             <a:endParaRPr lang="en-GB"/>
           </a:p>
@@ -11200,14 +10824,14 @@
           <a:ln/>
           <a:extLst>
             <a:ext uri="{909E8E84-426E-40dd-AFC4-6F175D3DCCD1}">
-              <a14:hiddenFill xmlns="" xmlns:a14="http://schemas.microsoft.com/office/drawing/2010/main">
+              <a14:hiddenFill xmlns:a14="http://schemas.microsoft.com/office/drawing/2010/main" xmlns="">
                 <a:solidFill>
                   <a:srgbClr val="FFFFFF"/>
                 </a:solidFill>
               </a14:hiddenFill>
             </a:ext>
             <a:ext uri="{91240B29-F687-4f45-9708-019B960494DF}">
-              <a14:hiddenLine xmlns="" xmlns:a14="http://schemas.microsoft.com/office/drawing/2010/main" w="9525">
+              <a14:hiddenLine xmlns:a14="http://schemas.microsoft.com/office/drawing/2010/main" xmlns="" w="9525">
                 <a:solidFill>
                   <a:srgbClr val="000000"/>
                 </a:solidFill>
@@ -11674,18 +11298,18 @@
       </p:sp>
       <p:sp>
         <p:nvSpPr>
-          <p:cNvPr id="4" name="Date Placeholder 3">
-            <a:extLst>
-              <a:ext uri="{FF2B5EF4-FFF2-40B4-BE49-F238E27FC236}">
-                <a16:creationId xmlns:a16="http://schemas.microsoft.com/office/drawing/2014/main" id="{EFB46EAE-5D37-064C-A38D-602E86E1B60F}"/>
-              </a:ext>
-            </a:extLst>
-          </p:cNvPr>
-          <p:cNvSpPr>
-            <a:spLocks noGrp="1"/>
-          </p:cNvSpPr>
-          <p:nvPr>
-            <p:ph type="dt" sz="half" idx="10"/>
+          <p:cNvPr id="5" name="Footer Placeholder 4">
+            <a:extLst>
+              <a:ext uri="{FF2B5EF4-FFF2-40B4-BE49-F238E27FC236}">
+                <a16:creationId xmlns:a16="http://schemas.microsoft.com/office/drawing/2014/main" id="{9C790EB7-CEF7-CF4F-AAA5-45A3BCEADDA8}"/>
+              </a:ext>
+            </a:extLst>
+          </p:cNvPr>
+          <p:cNvSpPr>
+            <a:spLocks noGrp="1"/>
+          </p:cNvSpPr>
+          <p:nvPr>
+            <p:ph type="ftr" sz="quarter" idx="11"/>
           </p:nvPr>
         </p:nvSpPr>
         <p:spPr/>
@@ -11698,38 +11322,7 @@
             </a:pPr>
             <a:r>
               <a:rPr lang="en-US"/>
-              <a:t>3/30/21</a:t>
-            </a:r>
-          </a:p>
-        </p:txBody>
-      </p:sp>
-      <p:sp>
-        <p:nvSpPr>
-          <p:cNvPr id="5" name="Footer Placeholder 4">
-            <a:extLst>
-              <a:ext uri="{FF2B5EF4-FFF2-40B4-BE49-F238E27FC236}">
-                <a16:creationId xmlns:a16="http://schemas.microsoft.com/office/drawing/2014/main" id="{9C790EB7-CEF7-CF4F-AAA5-45A3BCEADDA8}"/>
-              </a:ext>
-            </a:extLst>
-          </p:cNvPr>
-          <p:cNvSpPr>
-            <a:spLocks noGrp="1"/>
-          </p:cNvSpPr>
-          <p:nvPr>
-            <p:ph type="ftr" sz="quarter" idx="11"/>
-          </p:nvPr>
-        </p:nvSpPr>
-        <p:spPr/>
-        <p:txBody>
-          <a:bodyPr/>
-          <a:lstStyle/>
-          <a:p>
-            <a:pPr>
-              <a:defRPr/>
-            </a:pPr>
-            <a:r>
-              <a:rPr lang="en-US"/>
-              <a:t>MV3302</a:t>
+              <a:t>DES Short Course - Session 2</a:t>
             </a:r>
           </a:p>
         </p:txBody>
@@ -11887,18 +11480,18 @@
       </p:sp>
       <p:sp>
         <p:nvSpPr>
-          <p:cNvPr id="2" name="Date Placeholder 1">
-            <a:extLst>
-              <a:ext uri="{FF2B5EF4-FFF2-40B4-BE49-F238E27FC236}">
-                <a16:creationId xmlns:a16="http://schemas.microsoft.com/office/drawing/2014/main" id="{82E16C00-0734-C143-B851-80B487486D98}"/>
-              </a:ext>
-            </a:extLst>
-          </p:cNvPr>
-          <p:cNvSpPr>
-            <a:spLocks noGrp="1"/>
-          </p:cNvSpPr>
-          <p:nvPr>
-            <p:ph type="dt" sz="half" idx="10"/>
+          <p:cNvPr id="4" name="Footer Placeholder 3">
+            <a:extLst>
+              <a:ext uri="{FF2B5EF4-FFF2-40B4-BE49-F238E27FC236}">
+                <a16:creationId xmlns:a16="http://schemas.microsoft.com/office/drawing/2014/main" id="{0CBA9AFB-134A-6547-A410-04199CC0CE06}"/>
+              </a:ext>
+            </a:extLst>
+          </p:cNvPr>
+          <p:cNvSpPr>
+            <a:spLocks noGrp="1"/>
+          </p:cNvSpPr>
+          <p:nvPr>
+            <p:ph type="ftr" sz="quarter" idx="11"/>
           </p:nvPr>
         </p:nvSpPr>
         <p:spPr/>
@@ -11911,38 +11504,7 @@
             </a:pPr>
             <a:r>
               <a:rPr lang="en-US"/>
-              <a:t>3/30/21</a:t>
-            </a:r>
-          </a:p>
-        </p:txBody>
-      </p:sp>
-      <p:sp>
-        <p:nvSpPr>
-          <p:cNvPr id="4" name="Footer Placeholder 3">
-            <a:extLst>
-              <a:ext uri="{FF2B5EF4-FFF2-40B4-BE49-F238E27FC236}">
-                <a16:creationId xmlns:a16="http://schemas.microsoft.com/office/drawing/2014/main" id="{0CBA9AFB-134A-6547-A410-04199CC0CE06}"/>
-              </a:ext>
-            </a:extLst>
-          </p:cNvPr>
-          <p:cNvSpPr>
-            <a:spLocks noGrp="1"/>
-          </p:cNvSpPr>
-          <p:nvPr>
-            <p:ph type="ftr" sz="quarter" idx="11"/>
-          </p:nvPr>
-        </p:nvSpPr>
-        <p:spPr/>
-        <p:txBody>
-          <a:bodyPr/>
-          <a:lstStyle/>
-          <a:p>
-            <a:pPr>
-              <a:defRPr/>
-            </a:pPr>
-            <a:r>
-              <a:rPr lang="en-US"/>
-              <a:t>MV3302</a:t>
+              <a:t>DES Short Course - Session 2</a:t>
             </a:r>
           </a:p>
         </p:txBody>
